--- a/GITHUB.pptx
+++ b/GITHUB.pptx
@@ -15,6 +15,7 @@
     <p:sldId id="263" r:id="rId9"/>
     <p:sldId id="264" r:id="rId10"/>
     <p:sldId id="265" r:id="rId11"/>
+    <p:sldId id="266" r:id="rId12"/>
   </p:sldIdLst>
   <p:sldSz cx="12192000" cy="6858000"/>
   <p:notesSz cx="6858000" cy="9144000"/>
@@ -5889,6 +5890,135 @@
 </p:sld>
 </file>
 
+<file path=ppt/slides/slide11.xml><?xml version="1.0" encoding="utf-8"?>
+<p:sld xmlns:a="http://schemas.openxmlformats.org/drawingml/2006/main" xmlns:r="http://schemas.openxmlformats.org/officeDocument/2006/relationships" xmlns:p="http://schemas.openxmlformats.org/presentationml/2006/main">
+  <p:cSld>
+    <p:spTree>
+      <p:nvGrpSpPr>
+        <p:cNvPr id="1" name=""/>
+        <p:cNvGrpSpPr/>
+        <p:nvPr/>
+      </p:nvGrpSpPr>
+      <p:grpSpPr>
+        <a:xfrm>
+          <a:off x="0" y="0"/>
+          <a:ext cx="0" cy="0"/>
+          <a:chOff x="0" y="0"/>
+          <a:chExt cx="0" cy="0"/>
+        </a:xfrm>
+      </p:grpSpPr>
+      <p:sp>
+        <p:nvSpPr>
+          <p:cNvPr id="2" name="Cím 1"/>
+          <p:cNvSpPr>
+            <a:spLocks noGrp="1"/>
+          </p:cNvSpPr>
+          <p:nvPr>
+            <p:ph type="title"/>
+          </p:nvPr>
+        </p:nvSpPr>
+        <p:spPr/>
+        <p:txBody>
+          <a:bodyPr/>
+          <a:lstStyle/>
+          <a:p>
+            <a:r>
+              <a:rPr lang="hu-HU" dirty="0" smtClean="0"/>
+              <a:t>„</a:t>
+            </a:r>
+            <a:r>
+              <a:rPr lang="hu-HU" dirty="0" err="1" smtClean="0"/>
+              <a:t>just</a:t>
+            </a:r>
+            <a:r>
+              <a:rPr lang="hu-HU" dirty="0" smtClean="0"/>
+              <a:t> </a:t>
+            </a:r>
+            <a:r>
+              <a:rPr lang="hu-HU" dirty="0" err="1" smtClean="0"/>
+              <a:t>ship</a:t>
+            </a:r>
+            <a:r>
+              <a:rPr lang="hu-HU" dirty="0" smtClean="0"/>
+              <a:t> it”</a:t>
+            </a:r>
+            <a:endParaRPr lang="hu-HU" dirty="0"/>
+          </a:p>
+        </p:txBody>
+      </p:sp>
+      <p:sp>
+        <p:nvSpPr>
+          <p:cNvPr id="3" name="Tartalom helye 2"/>
+          <p:cNvSpPr>
+            <a:spLocks noGrp="1"/>
+          </p:cNvSpPr>
+          <p:nvPr>
+            <p:ph idx="1"/>
+          </p:nvPr>
+        </p:nvSpPr>
+        <p:spPr/>
+        <p:txBody>
+          <a:bodyPr/>
+          <a:lstStyle/>
+          <a:p>
+            <a:r>
+              <a:rPr lang="hu-HU" dirty="0" smtClean="0"/>
+              <a:t>Minimálisan életképes termék biztosítása</a:t>
+            </a:r>
+            <a:br>
+              <a:rPr lang="hu-HU" dirty="0" smtClean="0"/>
+            </a:br>
+            <a:r>
+              <a:rPr lang="hu-HU" dirty="0"/>
+              <a:t>Ahelyett, hogy feltételezéseket tesz arról, hogy az ügyfelek mit csinálnak és nem akarnak, a </a:t>
+            </a:r>
+            <a:r>
+              <a:rPr lang="hu-HU" dirty="0" err="1"/>
+              <a:t>GitHub</a:t>
+            </a:r>
+            <a:r>
+              <a:rPr lang="hu-HU" dirty="0"/>
+              <a:t> arra kéri </a:t>
+            </a:r>
+            <a:r>
+              <a:rPr lang="hu-HU" dirty="0" smtClean="0"/>
+              <a:t>a felhasználókat, </a:t>
+            </a:r>
+            <a:r>
+              <a:rPr lang="hu-HU" dirty="0"/>
+              <a:t>hogy a lehető leghamarabb teszteljék a dolgokat a privát béta segítségével</a:t>
+            </a:r>
+            <a:r>
+              <a:rPr lang="hu-HU" dirty="0" smtClean="0"/>
+              <a:t>.</a:t>
+            </a:r>
+          </a:p>
+          <a:p>
+            <a:r>
+              <a:rPr lang="hu-HU" dirty="0"/>
+              <a:t> </a:t>
+            </a:r>
+            <a:r>
+              <a:rPr lang="hu-HU" dirty="0" smtClean="0"/>
+              <a:t>Ez nem csak az oldal esetleges új funkciójára igaz , hanem kezdetben magára az oldalra is .</a:t>
+            </a:r>
+            <a:endParaRPr lang="hu-HU" dirty="0"/>
+          </a:p>
+        </p:txBody>
+      </p:sp>
+    </p:spTree>
+    <p:extLst>
+      <p:ext uri="{BB962C8B-B14F-4D97-AF65-F5344CB8AC3E}">
+        <p14:creationId xmlns:p14="http://schemas.microsoft.com/office/powerpoint/2010/main" val="2581166135"/>
+      </p:ext>
+    </p:extLst>
+  </p:cSld>
+  <p:clrMapOvr>
+    <a:masterClrMapping/>
+  </p:clrMapOvr>
+</p:sld>
+</file>
+
 <file path=ppt/slides/slide2.xml><?xml version="1.0" encoding="utf-8"?>
 <p:sld xmlns:a="http://schemas.openxmlformats.org/drawingml/2006/main" xmlns:r="http://schemas.openxmlformats.org/officeDocument/2006/relationships" xmlns:p="http://schemas.openxmlformats.org/presentationml/2006/main">
   <p:cSld>
